--- a/04.dubbo_demo/document/dubbo源码分析10-dubbox对dubbo的扩展.pptx
+++ b/04.dubbo_demo/document/dubbo源码分析10-dubbox对dubbo的扩展.pptx
@@ -196,7 +196,7 @@
           <a:p>
             <a:fld id="{A24470EC-9BB2-47C0-BC15-E1BE469E1A44}" type="datetimeFigureOut">
               <a:rPr lang="zh-CN" altLang="en-US" smtClean="0"/>
-              <a:t>2016/9/17</a:t>
+              <a:t>2016/10/7</a:t>
             </a:fld>
             <a:endParaRPr lang="zh-CN" altLang="en-US"/>
           </a:p>
@@ -361,7 +361,7 @@
           <a:p>
             <a:fld id="{CBBF4566-D28E-4F21-9CA6-C92C78680512}" type="datetimeFigureOut">
               <a:rPr lang="zh-CN" altLang="en-US" smtClean="0"/>
-              <a:t>2016/9/17</a:t>
+              <a:t>2016/10/7</a:t>
             </a:fld>
             <a:endParaRPr lang="zh-CN" altLang="en-US"/>
           </a:p>
@@ -814,7 +814,7 @@
           <a:p>
             <a:fld id="{FE514A0D-6246-45A0-AFCD-05CB06E3D75A}" type="datetime1">
               <a:rPr lang="zh-CN" altLang="en-US" smtClean="0"/>
-              <a:t>2016/9/17</a:t>
+              <a:t>2016/10/7</a:t>
             </a:fld>
             <a:endParaRPr lang="zh-CN" altLang="en-US" dirty="0"/>
           </a:p>
@@ -979,7 +979,7 @@
           <a:p>
             <a:fld id="{AE5463FA-5733-4E22-A176-CA0F8E59A78F}" type="datetime1">
               <a:rPr lang="zh-CN" altLang="en-US" smtClean="0"/>
-              <a:t>2016/9/17</a:t>
+              <a:t>2016/10/7</a:t>
             </a:fld>
             <a:endParaRPr lang="zh-CN" altLang="en-US"/>
           </a:p>
@@ -1154,7 +1154,7 @@
           <a:p>
             <a:fld id="{AB202E1E-E171-4D05-9995-782F74FA70A7}" type="datetime1">
               <a:rPr lang="zh-CN" altLang="en-US" smtClean="0"/>
-              <a:t>2016/9/17</a:t>
+              <a:t>2016/10/7</a:t>
             </a:fld>
             <a:endParaRPr lang="zh-CN" altLang="en-US"/>
           </a:p>
@@ -1319,7 +1319,7 @@
           <a:p>
             <a:fld id="{B34AA640-87DE-403B-AC78-F6FEE0B57B5D}" type="datetime1">
               <a:rPr lang="zh-CN" altLang="en-US" smtClean="0"/>
-              <a:t>2016/9/17</a:t>
+              <a:t>2016/10/7</a:t>
             </a:fld>
             <a:endParaRPr lang="zh-CN" altLang="en-US"/>
           </a:p>
@@ -1560,7 +1560,7 @@
           <a:p>
             <a:fld id="{A0663606-6224-48AC-A9C3-01536FF5A8D3}" type="datetime1">
               <a:rPr lang="zh-CN" altLang="en-US" smtClean="0"/>
-              <a:t>2016/9/17</a:t>
+              <a:t>2016/10/7</a:t>
             </a:fld>
             <a:endParaRPr lang="zh-CN" altLang="en-US"/>
           </a:p>
@@ -1843,7 +1843,7 @@
           <a:p>
             <a:fld id="{BCFAA94D-CC7D-4797-A37E-F6E45888FFD3}" type="datetime1">
               <a:rPr lang="zh-CN" altLang="en-US" smtClean="0"/>
-              <a:t>2016/9/17</a:t>
+              <a:t>2016/10/7</a:t>
             </a:fld>
             <a:endParaRPr lang="zh-CN" altLang="en-US"/>
           </a:p>
@@ -2260,7 +2260,7 @@
           <a:p>
             <a:fld id="{CB3D4EC1-D5F4-4EA7-BEE4-003887811976}" type="datetime1">
               <a:rPr lang="zh-CN" altLang="en-US" smtClean="0"/>
-              <a:t>2016/9/17</a:t>
+              <a:t>2016/10/7</a:t>
             </a:fld>
             <a:endParaRPr lang="zh-CN" altLang="en-US"/>
           </a:p>
@@ -2373,7 +2373,7 @@
           <a:p>
             <a:fld id="{A3F3B0D5-BEE7-46BD-8C3C-1F24935BD2BA}" type="datetime1">
               <a:rPr lang="zh-CN" altLang="en-US" smtClean="0"/>
-              <a:t>2016/9/17</a:t>
+              <a:t>2016/10/7</a:t>
             </a:fld>
             <a:endParaRPr lang="zh-CN" altLang="en-US"/>
           </a:p>
@@ -2463,7 +2463,7 @@
           <a:p>
             <a:fld id="{BAA94D51-A23F-4C7E-ACB9-F69CEC11A8FE}" type="datetime1">
               <a:rPr lang="zh-CN" altLang="en-US" smtClean="0"/>
-              <a:t>2016/9/17</a:t>
+              <a:t>2016/10/7</a:t>
             </a:fld>
             <a:endParaRPr lang="zh-CN" altLang="en-US"/>
           </a:p>
@@ -2735,7 +2735,7 @@
           <a:p>
             <a:fld id="{2F94AAA0-004A-44A7-9D1C-22721FA89EC0}" type="datetime1">
               <a:rPr lang="zh-CN" altLang="en-US" smtClean="0"/>
-              <a:t>2016/9/17</a:t>
+              <a:t>2016/10/7</a:t>
             </a:fld>
             <a:endParaRPr lang="zh-CN" altLang="en-US"/>
           </a:p>
@@ -2983,7 +2983,7 @@
           <a:p>
             <a:fld id="{F570CB73-500B-46CB-B603-E25A55C666EC}" type="datetime1">
               <a:rPr lang="zh-CN" altLang="en-US" smtClean="0"/>
-              <a:t>2016/9/17</a:t>
+              <a:t>2016/10/7</a:t>
             </a:fld>
             <a:endParaRPr lang="zh-CN" altLang="en-US"/>
           </a:p>
@@ -3205,7 +3205,7 @@
           <a:p>
             <a:fld id="{E708D0EF-A89D-41AA-A2B5-7C45C89333AE}" type="datetime1">
               <a:rPr lang="zh-CN" altLang="en-US" smtClean="0"/>
-              <a:t>2016/9/17</a:t>
+              <a:t>2016/10/7</a:t>
             </a:fld>
             <a:endParaRPr lang="zh-CN" altLang="en-US"/>
           </a:p>
@@ -3602,11 +3602,7 @@
             </a:r>
             <a:r>
               <a:rPr lang="zh-CN" altLang="en-US" dirty="0" smtClean="0"/>
-              <a:t>源码学</a:t>
-            </a:r>
-            <a:r>
-              <a:rPr lang="zh-CN" altLang="en-US" dirty="0" smtClean="0"/>
-              <a:t>习</a:t>
+              <a:t>源码学习</a:t>
             </a:r>
             <a:r>
               <a:rPr lang="en-US" altLang="zh-CN" dirty="0" smtClean="0"/>
@@ -3635,7 +3631,6 @@
               <a:rPr lang="zh-CN" altLang="en-US" dirty="0"/>
               <a:t>的扩展</a:t>
             </a:r>
-            <a:endParaRPr lang="zh-CN" altLang="en-US" dirty="0"/>
           </a:p>
         </p:txBody>
       </p:sp>
@@ -3663,7 +3658,7 @@
               <a:t>Chenxiaguang</a:t>
             </a:r>
             <a:r>
-              <a:rPr lang="en-US" altLang="zh-CN" dirty="0" smtClean="0">
+              <a:rPr lang="en-US" altLang="zh-CN" smtClean="0">
                 <a:solidFill>
                   <a:srgbClr val="FF9900"/>
                 </a:solidFill>
@@ -3671,12 +3666,12 @@
               <a:t> </a:t>
             </a:r>
             <a:r>
-              <a:rPr lang="en-US" altLang="zh-CN" dirty="0" smtClean="0">
+              <a:rPr lang="en-US" altLang="zh-CN" smtClean="0">
                 <a:solidFill>
                   <a:srgbClr val="FF9900"/>
                 </a:solidFill>
               </a:rPr>
-              <a:t>20120917</a:t>
+              <a:t>20160917</a:t>
             </a:r>
             <a:endParaRPr lang="zh-CN" altLang="en-US" dirty="0">
               <a:solidFill>
@@ -3703,7 +3698,7 @@
           <a:p>
             <a:fld id="{DC0212C2-3CC8-4688-A0F8-3B0C9C548618}" type="datetime1">
               <a:rPr lang="zh-CN" altLang="en-US" smtClean="0"/>
-              <a:t>2016/9/17</a:t>
+              <a:t>2016/10/7</a:t>
             </a:fld>
             <a:endParaRPr lang="zh-CN" altLang="en-US" dirty="0"/>
           </a:p>
@@ -3952,7 +3947,7 @@
           <a:p>
             <a:fld id="{B34AA640-87DE-403B-AC78-F6FEE0B57B5D}" type="datetime1">
               <a:rPr lang="zh-CN" altLang="en-US" smtClean="0"/>
-              <a:t>2016/9/17</a:t>
+              <a:t>2016/10/7</a:t>
             </a:fld>
             <a:endParaRPr lang="zh-CN" altLang="en-US"/>
           </a:p>
@@ -4003,7 +3998,7 @@
           <a:graphicData uri="http://schemas.openxmlformats.org/presentationml/2006/ole">
             <mc:AlternateContent xmlns:mc="http://schemas.openxmlformats.org/markup-compatibility/2006">
               <mc:Choice xmlns:v="urn:schemas-microsoft-com:vml" Requires="v">
-                <p:oleObj spid="_x0000_s1028" name="包装程序外壳对象" showAsIcon="1" r:id="rId4" imgW="3442320" imgH="711360" progId="Package">
+                <p:oleObj spid="_x0000_s1029" name="包装程序外壳对象" showAsIcon="1" r:id="rId4" imgW="3442320" imgH="711360" progId="Package">
                   <p:embed/>
                 </p:oleObj>
               </mc:Choice>
